--- a/Equip_B/results/D1_presentacion.pptx
+++ b/Equip_B/results/D1_presentacion.pptx
@@ -331,7 +331,7 @@
             <a:pPr rtl="0"/>
             <a:fld id="{682C0B10-7CAE-41E4-AB02-7E8B1FF2B898}" type="slidenum">
               <a:rPr lang="es-ES" smtClean="0"/>
-              <a:t>‹Nº›</a:t>
+              <a:t>‹#›</a:t>
             </a:fld>
             <a:endParaRPr lang="es-ES"/>
           </a:p>
@@ -594,7 +594,7 @@
             <a:pPr rtl="0"/>
             <a:fld id="{8530193B-564F-4854-8A52-728F3FB19C85}" type="slidenum">
               <a:rPr lang="es-ES" noProof="0" smtClean="0"/>
-              <a:t>‹Nº›</a:t>
+              <a:t>‹#›</a:t>
             </a:fld>
             <a:endParaRPr lang="es-ES" noProof="0"/>
           </a:p>
@@ -8462,7 +8462,7 @@
                 </a:solidFill>
               </a:rPr>
               <a:pPr algn="r" rtl="0"/>
-              <a:t>‹Nº›</a:t>
+              <a:t>‹#›</a:t>
             </a:fld>
             <a:endParaRPr lang="es-ES" sz="1100" noProof="0">
               <a:solidFill>
@@ -11980,89 +11980,6 @@
           </a:prstGeom>
         </p:spPr>
       </p:pic>
-      <p:sp>
-        <p:nvSpPr>
-          <p:cNvPr id="6" name="CuadroTexto 5">
-            <a:extLst>
-              <a:ext uri="{FF2B5EF4-FFF2-40B4-BE49-F238E27FC236}">
-                <a16:creationId xmlns:a16="http://schemas.microsoft.com/office/drawing/2014/main" id="{79A47EFA-D165-A866-8D6A-D617F8CE8CD0}"/>
-              </a:ext>
-            </a:extLst>
-          </p:cNvPr>
-          <p:cNvSpPr txBox="1"/>
-          <p:nvPr/>
-        </p:nvSpPr>
-        <p:spPr>
-          <a:xfrm>
-            <a:off x="-1447800" y="-415248"/>
-            <a:ext cx="6096000" cy="954107"/>
-          </a:xfrm>
-          <a:prstGeom prst="rect">
-            <a:avLst/>
-          </a:prstGeom>
-          <a:noFill/>
-        </p:spPr>
-        <p:txBody>
-          <a:bodyPr wrap="square">
-            <a:spAutoFit/>
-          </a:bodyPr>
-          <a:lstStyle/>
-          <a:p>
-            <a:r>
-              <a:rPr lang="es-ES" sz="2000" b="1" dirty="0">
-                <a:latin typeface="Consolas" panose="020B0609020204030204" pitchFamily="49" charset="0"/>
-              </a:rPr>
-              <a:t>2.</a:t>
-            </a:r>
-            <a:r>
-              <a:rPr lang="es-ES" sz="2000" dirty="0">
-                <a:latin typeface="Consolas" panose="020B0609020204030204" pitchFamily="49" charset="0"/>
-              </a:rPr>
-              <a:t> </a:t>
-            </a:r>
-            <a:r>
-              <a:rPr lang="es-ES" sz="1800" dirty="0">
-                <a:latin typeface="Consolas" panose="020B0609020204030204" pitchFamily="49" charset="0"/>
-              </a:rPr>
-              <a:t>Realizamos una prueba </a:t>
-            </a:r>
-            <a:r>
-              <a:rPr lang="es-ES" sz="1800" b="1" dirty="0">
-                <a:latin typeface="Consolas" panose="020B0609020204030204" pitchFamily="49" charset="0"/>
-              </a:rPr>
-              <a:t>Chi-Cuadrado</a:t>
-            </a:r>
-            <a:r>
-              <a:rPr lang="es-ES" sz="1800" dirty="0">
-                <a:latin typeface="Consolas" panose="020B0609020204030204" pitchFamily="49" charset="0"/>
-              </a:rPr>
-              <a:t> para ver si, estadísticamente, </a:t>
-            </a:r>
-            <a:r>
-              <a:rPr lang="es-ES" sz="1800" b="1" dirty="0">
-                <a:latin typeface="Consolas" panose="020B0609020204030204" pitchFamily="49" charset="0"/>
-              </a:rPr>
-              <a:t>la relación</a:t>
-            </a:r>
-            <a:r>
-              <a:rPr lang="es-ES" sz="1800" dirty="0">
-                <a:latin typeface="Consolas" panose="020B0609020204030204" pitchFamily="49" charset="0"/>
-              </a:rPr>
-              <a:t> entre las dos variables </a:t>
-            </a:r>
-            <a:r>
-              <a:rPr lang="es-ES" sz="1800" b="1" dirty="0">
-                <a:latin typeface="Consolas" panose="020B0609020204030204" pitchFamily="49" charset="0"/>
-              </a:rPr>
-              <a:t>es relevante</a:t>
-            </a:r>
-            <a:endParaRPr lang="es-ES" sz="1800" b="1" dirty="0">
-              <a:effectLst/>
-              <a:latin typeface="Consolas" panose="020B0609020204030204" pitchFamily="49" charset="0"/>
-            </a:endParaRPr>
-          </a:p>
-        </p:txBody>
-      </p:sp>
       <p:sp>
         <p:nvSpPr>
           <p:cNvPr id="7" name="Rectángulo: esquinas redondeadas 6">
@@ -14247,24 +14164,6 @@
 </file>
 
 <file path=customXml/item1.xml><?xml version="1.0" encoding="utf-8"?>
-<?mso-contentType ?>
-<FormTemplates xmlns="http://schemas.microsoft.com/sharepoint/v3/contenttype/forms">
-  <Display>DocumentLibraryForm</Display>
-  <Edit>DocumentLibraryForm</Edit>
-  <New>DocumentLibraryForm</New>
-</FormTemplates>
-</file>
-
-<file path=customXml/item2.xml><?xml version="1.0" encoding="utf-8"?>
-<p:properties xmlns:p="http://schemas.microsoft.com/office/2006/metadata/properties" xmlns:xsi="http://www.w3.org/2001/XMLSchema-instance" xmlns:pc="http://schemas.microsoft.com/office/infopath/2007/PartnerControls">
-  <documentManagement>
-    <Status xmlns="71af3243-3dd4-4a8d-8c0d-dd76da1f02a5">Not started</Status>
-    <MediaServiceKeyPoints xmlns="71af3243-3dd4-4a8d-8c0d-dd76da1f02a5" xsi:nil="true"/>
-  </documentManagement>
-</p:properties>
-</file>
-
-<file path=customXml/item3.xml><?xml version="1.0" encoding="utf-8"?>
 <ct:contentTypeSchema xmlns:ct="http://schemas.microsoft.com/office/2006/metadata/contentType" xmlns:ma="http://schemas.microsoft.com/office/2006/metadata/properties/metaAttributes" ct:_="" ma:_="" ma:contentTypeName="Document" ma:contentTypeID="0x01010079F111ED35F8CC479449609E8A0923A6" ma:contentTypeVersion="12" ma:contentTypeDescription="Create a new document." ma:contentTypeScope="" ma:versionID="426e97fa315356fffbdcd9876fe988c2">
   <xsd:schema xmlns:xsd="http://www.w3.org/2001/XMLSchema" xmlns:xs="http://www.w3.org/2001/XMLSchema" xmlns:p="http://schemas.microsoft.com/office/2006/metadata/properties" xmlns:ns2="71af3243-3dd4-4a8d-8c0d-dd76da1f02a5" xmlns:ns3="16c05727-aa75-4e4a-9b5f-8a80a1165891" targetNamespace="http://schemas.microsoft.com/office/2006/metadata/properties" ma:root="true" ma:fieldsID="14b8f0def80e6d70ce3def20c90759ae" ns2:_="" ns3:_="">
     <xsd:import namespace="71af3243-3dd4-4a8d-8c0d-dd76da1f02a5"/>
@@ -14485,25 +14384,25 @@
 </ct:contentTypeSchema>
 </file>
 
-<file path=customXml/itemProps1.xml><?xml version="1.0" encoding="utf-8"?>
-<ds:datastoreItem xmlns:ds="http://schemas.openxmlformats.org/officeDocument/2006/customXml" ds:itemID="{05D99ABA-76CE-4A8E-B5F0-C051B96628DE}">
-  <ds:schemaRefs>
-    <ds:schemaRef ds:uri="http://schemas.microsoft.com/sharepoint/v3/contenttype/forms"/>
-  </ds:schemaRefs>
-</ds:datastoreItem>
+<file path=customXml/item2.xml><?xml version="1.0" encoding="utf-8"?>
+<p:properties xmlns:p="http://schemas.microsoft.com/office/2006/metadata/properties" xmlns:xsi="http://www.w3.org/2001/XMLSchema-instance" xmlns:pc="http://schemas.microsoft.com/office/infopath/2007/PartnerControls">
+  <documentManagement>
+    <Status xmlns="71af3243-3dd4-4a8d-8c0d-dd76da1f02a5">Not started</Status>
+    <MediaServiceKeyPoints xmlns="71af3243-3dd4-4a8d-8c0d-dd76da1f02a5" xsi:nil="true"/>
+  </documentManagement>
+</p:properties>
 </file>
 
-<file path=customXml/itemProps2.xml><?xml version="1.0" encoding="utf-8"?>
-<ds:datastoreItem xmlns:ds="http://schemas.openxmlformats.org/officeDocument/2006/customXml" ds:itemID="{4DEA9014-ED64-4558-B1E1-D03F0EE32BEB}">
-  <ds:schemaRefs>
-    <ds:schemaRef ds:uri="http://schemas.microsoft.com/office/2006/metadata/properties"/>
-    <ds:schemaRef ds:uri="http://schemas.microsoft.com/office/infopath/2007/PartnerControls"/>
-    <ds:schemaRef ds:uri="71af3243-3dd4-4a8d-8c0d-dd76da1f02a5"/>
-  </ds:schemaRefs>
-</ds:datastoreItem>
+<file path=customXml/item3.xml><?xml version="1.0" encoding="utf-8"?>
+<?mso-contentType ?>
+<FormTemplates xmlns="http://schemas.microsoft.com/sharepoint/v3/contenttype/forms">
+  <Display>DocumentLibraryForm</Display>
+  <Edit>DocumentLibraryForm</Edit>
+  <New>DocumentLibraryForm</New>
+</FormTemplates>
 </file>
 
-<file path=customXml/itemProps3.xml><?xml version="1.0" encoding="utf-8"?>
+<file path=customXml/itemProps1.xml><?xml version="1.0" encoding="utf-8"?>
 <ds:datastoreItem xmlns:ds="http://schemas.openxmlformats.org/officeDocument/2006/customXml" ds:itemID="{B19EB750-A6DA-4BE8-B87B-FC499FE73360}">
   <ds:schemaRefs>
     <ds:schemaRef ds:uri="http://schemas.microsoft.com/office/2006/metadata/contentType"/>
@@ -14520,4 +14419,22 @@
     <ds:schemaRef ds:uri="http://schemas.microsoft.com/internal/obd"/>
   </ds:schemaRefs>
 </ds:datastoreItem>
+</file>
+
+<file path=customXml/itemProps2.xml><?xml version="1.0" encoding="utf-8"?>
+<ds:datastoreItem xmlns:ds="http://schemas.openxmlformats.org/officeDocument/2006/customXml" ds:itemID="{4DEA9014-ED64-4558-B1E1-D03F0EE32BEB}">
+  <ds:schemaRefs>
+    <ds:schemaRef ds:uri="http://schemas.microsoft.com/office/2006/metadata/properties"/>
+    <ds:schemaRef ds:uri="http://schemas.microsoft.com/office/infopath/2007/PartnerControls"/>
+    <ds:schemaRef ds:uri="71af3243-3dd4-4a8d-8c0d-dd76da1f02a5"/>
+  </ds:schemaRefs>
+</ds:datastoreItem>
+</file>
+
+<file path=customXml/itemProps3.xml><?xml version="1.0" encoding="utf-8"?>
+<ds:datastoreItem xmlns:ds="http://schemas.openxmlformats.org/officeDocument/2006/customXml" ds:itemID="{05D99ABA-76CE-4A8E-B5F0-C051B96628DE}">
+  <ds:schemaRefs>
+    <ds:schemaRef ds:uri="http://schemas.microsoft.com/sharepoint/v3/contenttype/forms"/>
+  </ds:schemaRefs>
+</ds:datastoreItem>
 </file>